--- a/Analyse/P4_02_optimisation.pptx
+++ b/Analyse/P4_02_optimisation.pptx
@@ -10,8 +10,9 @@
     <p:sldId id="260" r:id="rId5"/>
     <p:sldId id="264" r:id="rId6"/>
     <p:sldId id="265" r:id="rId7"/>
-    <p:sldId id="261" r:id="rId8"/>
-    <p:sldId id="262" r:id="rId9"/>
+    <p:sldId id="268" r:id="rId8"/>
+    <p:sldId id="261" r:id="rId9"/>
+    <p:sldId id="262" r:id="rId10"/>
   </p:sldIdLst>
   <p:sldSz cx="12192000" cy="6858000"/>
   <p:notesSz cx="6858000" cy="9144000"/>
@@ -4156,7 +4157,7 @@
                   </a:schemeClr>
                 </a:solidFill>
               </a:rPr>
-              <a:t>Test de taille des fichiers 1/2 (Minify css)</a:t>
+              <a:t>Test de taille des fichiers 1/3 (Minify css)</a:t>
             </a:r>
             <a:endParaRPr lang="fr-FR" altLang="en-US" sz="3200" b="1">
               <a:solidFill>
@@ -4462,7 +4463,7 @@
                   </a:schemeClr>
                 </a:solidFill>
               </a:rPr>
-              <a:t>Test de taille des fichiers 1/2 (Minify js)</a:t>
+              <a:t>Test de taille des fichiers 2/3 (Minify js)</a:t>
             </a:r>
             <a:endParaRPr lang="fr-FR" altLang="en-US" sz="3200" b="1">
               <a:solidFill>
@@ -5189,6 +5190,712 @@
                   </a:schemeClr>
                 </a:solidFill>
               </a:rPr>
+              <a:t>Test de taille des fichiers 3/3(compression des images)</a:t>
+            </a:r>
+            <a:endParaRPr lang="fr-FR" altLang="en-US" sz="3200" b="1">
+              <a:solidFill>
+                <a:schemeClr val="accent1">
+                  <a:lumMod val="60000"/>
+                  <a:lumOff val="40000"/>
+                </a:schemeClr>
+              </a:solidFill>
+            </a:endParaRPr>
+          </a:p>
+        </p:txBody>
+      </p:sp>
+      <p:sp>
+        <p:nvSpPr>
+          <p:cNvPr id="6" name="Title 1"/>
+          <p:cNvSpPr>
+            <a:spLocks noGrp="1"/>
+          </p:cNvSpPr>
+          <p:nvPr/>
+        </p:nvSpPr>
+        <p:spPr>
+          <a:xfrm>
+            <a:off x="597535" y="4064635"/>
+            <a:ext cx="10972800" cy="582930"/>
+          </a:xfrm>
+          <a:prstGeom prst="rect">
+            <a:avLst/>
+          </a:prstGeom>
+          <a:noFill/>
+          <a:ln w="9525">
+            <a:noFill/>
+          </a:ln>
+        </p:spPr>
+        <p:txBody>
+          <a:bodyPr anchor="ctr" anchorCtr="0"/>
+          <a:lstStyle>
+            <a:lvl1pPr algn="l" rtl="0" fontAlgn="base">
+              <a:spcBef>
+                <a:spcPct val="0"/>
+              </a:spcBef>
+              <a:spcAft>
+                <a:spcPct val="0"/>
+              </a:spcAft>
+              <a:defRPr sz="3600" kern="1200">
+                <a:solidFill>
+                  <a:schemeClr val="tx1"/>
+                </a:solidFill>
+                <a:latin typeface="+mj-lt"/>
+                <a:ea typeface="+mj-ea"/>
+                <a:cs typeface="+mj-cs"/>
+              </a:defRPr>
+            </a:lvl1pPr>
+            <a:lvl2pPr algn="l" rtl="0" fontAlgn="base">
+              <a:spcBef>
+                <a:spcPct val="0"/>
+              </a:spcBef>
+              <a:spcAft>
+                <a:spcPct val="0"/>
+              </a:spcAft>
+              <a:defRPr sz="3600">
+                <a:solidFill>
+                  <a:schemeClr val="tx1"/>
+                </a:solidFill>
+                <a:latin typeface="Arial" panose="020B0604020202020204" pitchFamily="34" charset="0"/>
+                <a:ea typeface="SimSun" panose="02010600030101010101" pitchFamily="2" charset="-122"/>
+              </a:defRPr>
+            </a:lvl2pPr>
+            <a:lvl3pPr algn="l" rtl="0" fontAlgn="base">
+              <a:spcBef>
+                <a:spcPct val="0"/>
+              </a:spcBef>
+              <a:spcAft>
+                <a:spcPct val="0"/>
+              </a:spcAft>
+              <a:defRPr sz="3600">
+                <a:solidFill>
+                  <a:schemeClr val="tx1"/>
+                </a:solidFill>
+                <a:latin typeface="Arial" panose="020B0604020202020204" pitchFamily="34" charset="0"/>
+                <a:ea typeface="SimSun" panose="02010600030101010101" pitchFamily="2" charset="-122"/>
+              </a:defRPr>
+            </a:lvl3pPr>
+            <a:lvl4pPr algn="l" rtl="0" fontAlgn="base">
+              <a:spcBef>
+                <a:spcPct val="0"/>
+              </a:spcBef>
+              <a:spcAft>
+                <a:spcPct val="0"/>
+              </a:spcAft>
+              <a:defRPr sz="3600">
+                <a:solidFill>
+                  <a:schemeClr val="tx1"/>
+                </a:solidFill>
+                <a:latin typeface="Arial" panose="020B0604020202020204" pitchFamily="34" charset="0"/>
+                <a:ea typeface="SimSun" panose="02010600030101010101" pitchFamily="2" charset="-122"/>
+              </a:defRPr>
+            </a:lvl4pPr>
+            <a:lvl5pPr algn="l" rtl="0" fontAlgn="base">
+              <a:spcBef>
+                <a:spcPct val="0"/>
+              </a:spcBef>
+              <a:spcAft>
+                <a:spcPct val="0"/>
+              </a:spcAft>
+              <a:defRPr sz="3600">
+                <a:solidFill>
+                  <a:schemeClr val="tx1"/>
+                </a:solidFill>
+                <a:latin typeface="Arial" panose="020B0604020202020204" pitchFamily="34" charset="0"/>
+                <a:ea typeface="SimSun" panose="02010600030101010101" pitchFamily="2" charset="-122"/>
+              </a:defRPr>
+            </a:lvl5pPr>
+            <a:lvl6pPr marL="457200" algn="l" rtl="0" fontAlgn="base">
+              <a:spcBef>
+                <a:spcPct val="0"/>
+              </a:spcBef>
+              <a:spcAft>
+                <a:spcPct val="0"/>
+              </a:spcAft>
+              <a:defRPr sz="3600">
+                <a:solidFill>
+                  <a:schemeClr val="tx1"/>
+                </a:solidFill>
+                <a:latin typeface="Arial" panose="020B0604020202020204" pitchFamily="34" charset="0"/>
+                <a:ea typeface="SimSun" panose="02010600030101010101" pitchFamily="2" charset="-122"/>
+              </a:defRPr>
+            </a:lvl6pPr>
+            <a:lvl7pPr marL="914400" algn="l" rtl="0" fontAlgn="base">
+              <a:spcBef>
+                <a:spcPct val="0"/>
+              </a:spcBef>
+              <a:spcAft>
+                <a:spcPct val="0"/>
+              </a:spcAft>
+              <a:defRPr sz="3600">
+                <a:solidFill>
+                  <a:schemeClr val="tx1"/>
+                </a:solidFill>
+                <a:latin typeface="Arial" panose="020B0604020202020204" pitchFamily="34" charset="0"/>
+                <a:ea typeface="SimSun" panose="02010600030101010101" pitchFamily="2" charset="-122"/>
+              </a:defRPr>
+            </a:lvl7pPr>
+            <a:lvl8pPr marL="1371600" algn="l" rtl="0" fontAlgn="base">
+              <a:spcBef>
+                <a:spcPct val="0"/>
+              </a:spcBef>
+              <a:spcAft>
+                <a:spcPct val="0"/>
+              </a:spcAft>
+              <a:defRPr sz="3600">
+                <a:solidFill>
+                  <a:schemeClr val="tx1"/>
+                </a:solidFill>
+                <a:latin typeface="Arial" panose="020B0604020202020204" pitchFamily="34" charset="0"/>
+                <a:ea typeface="SimSun" panose="02010600030101010101" pitchFamily="2" charset="-122"/>
+              </a:defRPr>
+            </a:lvl8pPr>
+            <a:lvl9pPr marL="1828800" algn="l" rtl="0" fontAlgn="base">
+              <a:spcBef>
+                <a:spcPct val="0"/>
+              </a:spcBef>
+              <a:spcAft>
+                <a:spcPct val="0"/>
+              </a:spcAft>
+              <a:defRPr sz="3600">
+                <a:solidFill>
+                  <a:schemeClr val="tx1"/>
+                </a:solidFill>
+                <a:latin typeface="Arial" panose="020B0604020202020204" pitchFamily="34" charset="0"/>
+                <a:ea typeface="SimSun" panose="02010600030101010101" pitchFamily="2" charset="-122"/>
+              </a:defRPr>
+            </a:lvl9pPr>
+          </a:lstStyle>
+          <a:p>
+            <a:pPr algn="ctr"/>
+            <a:r>
+              <a:rPr lang="fr-FR" altLang="en-US" sz="2400" b="1">
+                <a:solidFill>
+                  <a:schemeClr val="accent1">
+                    <a:lumMod val="60000"/>
+                    <a:lumOff val="40000"/>
+                  </a:schemeClr>
+                </a:solidFill>
+              </a:rPr>
+              <a:t>Commentaires</a:t>
+            </a:r>
+            <a:endParaRPr lang="fr-FR" altLang="en-US" sz="2400" b="1">
+              <a:solidFill>
+                <a:schemeClr val="accent1">
+                  <a:lumMod val="60000"/>
+                  <a:lumOff val="40000"/>
+                </a:schemeClr>
+              </a:solidFill>
+            </a:endParaRPr>
+          </a:p>
+        </p:txBody>
+      </p:sp>
+      <p:sp>
+        <p:nvSpPr>
+          <p:cNvPr id="9" name="Text Box 8"/>
+          <p:cNvSpPr txBox="1"/>
+          <p:nvPr/>
+        </p:nvSpPr>
+        <p:spPr>
+          <a:xfrm>
+            <a:off x="597535" y="4593590"/>
+            <a:ext cx="11142980" cy="645160"/>
+          </a:xfrm>
+          <a:prstGeom prst="rect">
+            <a:avLst/>
+          </a:prstGeom>
+          <a:noFill/>
+        </p:spPr>
+        <p:txBody>
+          <a:bodyPr wrap="square" rtlCol="0" anchor="ctr" anchorCtr="0">
+            <a:spAutoFit/>
+          </a:bodyPr>
+          <a:p>
+            <a:pPr algn="l"/>
+            <a:r>
+              <a:rPr lang="fr-FR" altLang="en-US"/>
+              <a:t>Concernant le dossier javascript, la minification des fichiers js a également permit de réduire de 56% le poids du dossier js.</a:t>
+            </a:r>
+            <a:endParaRPr lang="fr-FR" altLang="en-US"/>
+          </a:p>
+        </p:txBody>
+      </p:sp>
+      <p:sp>
+        <p:nvSpPr>
+          <p:cNvPr id="7" name="Title 1"/>
+          <p:cNvSpPr>
+            <a:spLocks noGrp="1"/>
+          </p:cNvSpPr>
+          <p:nvPr/>
+        </p:nvSpPr>
+        <p:spPr>
+          <a:xfrm>
+            <a:off x="1997710" y="1066165"/>
+            <a:ext cx="1884045" cy="510540"/>
+          </a:xfrm>
+          <a:prstGeom prst="rect">
+            <a:avLst/>
+          </a:prstGeom>
+          <a:gradFill>
+            <a:gsLst>
+              <a:gs pos="0">
+                <a:srgbClr val="E30000"/>
+              </a:gs>
+              <a:gs pos="100000">
+                <a:srgbClr val="760303"/>
+              </a:gs>
+            </a:gsLst>
+            <a:lin ang="5400000" scaled="0"/>
+          </a:gradFill>
+        </p:spPr>
+        <p:style>
+          <a:lnRef idx="2">
+            <a:schemeClr val="accent3">
+              <a:shade val="50000"/>
+            </a:schemeClr>
+          </a:lnRef>
+          <a:fillRef idx="1">
+            <a:schemeClr val="accent3"/>
+          </a:fillRef>
+          <a:effectRef idx="0">
+            <a:schemeClr val="accent3"/>
+          </a:effectRef>
+          <a:fontRef idx="minor">
+            <a:schemeClr val="lt1"/>
+          </a:fontRef>
+        </p:style>
+        <p:txBody>
+          <a:bodyPr anchor="ctr"/>
+          <a:lstStyle>
+            <a:lvl1pPr algn="l" rtl="0" fontAlgn="base">
+              <a:spcBef>
+                <a:spcPct val="0"/>
+              </a:spcBef>
+              <a:spcAft>
+                <a:spcPct val="0"/>
+              </a:spcAft>
+              <a:defRPr sz="3600" kern="1200">
+                <a:solidFill>
+                  <a:schemeClr val="tx1"/>
+                </a:solidFill>
+                <a:latin typeface="+mj-lt"/>
+                <a:ea typeface="+mj-ea"/>
+                <a:cs typeface="+mj-cs"/>
+              </a:defRPr>
+            </a:lvl1pPr>
+            <a:lvl2pPr algn="l" rtl="0" fontAlgn="base">
+              <a:spcBef>
+                <a:spcPct val="0"/>
+              </a:spcBef>
+              <a:spcAft>
+                <a:spcPct val="0"/>
+              </a:spcAft>
+              <a:defRPr sz="3600">
+                <a:solidFill>
+                  <a:schemeClr val="tx1"/>
+                </a:solidFill>
+                <a:latin typeface="Arial" panose="020B0604020202020204" pitchFamily="34" charset="0"/>
+                <a:ea typeface="SimSun" panose="02010600030101010101" pitchFamily="2" charset="-122"/>
+              </a:defRPr>
+            </a:lvl2pPr>
+            <a:lvl3pPr algn="l" rtl="0" fontAlgn="base">
+              <a:spcBef>
+                <a:spcPct val="0"/>
+              </a:spcBef>
+              <a:spcAft>
+                <a:spcPct val="0"/>
+              </a:spcAft>
+              <a:defRPr sz="3600">
+                <a:solidFill>
+                  <a:schemeClr val="tx1"/>
+                </a:solidFill>
+                <a:latin typeface="Arial" panose="020B0604020202020204" pitchFamily="34" charset="0"/>
+                <a:ea typeface="SimSun" panose="02010600030101010101" pitchFamily="2" charset="-122"/>
+              </a:defRPr>
+            </a:lvl3pPr>
+            <a:lvl4pPr algn="l" rtl="0" fontAlgn="base">
+              <a:spcBef>
+                <a:spcPct val="0"/>
+              </a:spcBef>
+              <a:spcAft>
+                <a:spcPct val="0"/>
+              </a:spcAft>
+              <a:defRPr sz="3600">
+                <a:solidFill>
+                  <a:schemeClr val="tx1"/>
+                </a:solidFill>
+                <a:latin typeface="Arial" panose="020B0604020202020204" pitchFamily="34" charset="0"/>
+                <a:ea typeface="SimSun" panose="02010600030101010101" pitchFamily="2" charset="-122"/>
+              </a:defRPr>
+            </a:lvl4pPr>
+            <a:lvl5pPr algn="l" rtl="0" fontAlgn="base">
+              <a:spcBef>
+                <a:spcPct val="0"/>
+              </a:spcBef>
+              <a:spcAft>
+                <a:spcPct val="0"/>
+              </a:spcAft>
+              <a:defRPr sz="3600">
+                <a:solidFill>
+                  <a:schemeClr val="tx1"/>
+                </a:solidFill>
+                <a:latin typeface="Arial" panose="020B0604020202020204" pitchFamily="34" charset="0"/>
+                <a:ea typeface="SimSun" panose="02010600030101010101" pitchFamily="2" charset="-122"/>
+              </a:defRPr>
+            </a:lvl5pPr>
+            <a:lvl6pPr marL="457200" algn="l" rtl="0" fontAlgn="base">
+              <a:spcBef>
+                <a:spcPct val="0"/>
+              </a:spcBef>
+              <a:spcAft>
+                <a:spcPct val="0"/>
+              </a:spcAft>
+              <a:defRPr sz="3600">
+                <a:solidFill>
+                  <a:schemeClr val="tx1"/>
+                </a:solidFill>
+                <a:latin typeface="Arial" panose="020B0604020202020204" pitchFamily="34" charset="0"/>
+                <a:ea typeface="SimSun" panose="02010600030101010101" pitchFamily="2" charset="-122"/>
+              </a:defRPr>
+            </a:lvl6pPr>
+            <a:lvl7pPr marL="914400" algn="l" rtl="0" fontAlgn="base">
+              <a:spcBef>
+                <a:spcPct val="0"/>
+              </a:spcBef>
+              <a:spcAft>
+                <a:spcPct val="0"/>
+              </a:spcAft>
+              <a:defRPr sz="3600">
+                <a:solidFill>
+                  <a:schemeClr val="tx1"/>
+                </a:solidFill>
+                <a:latin typeface="Arial" panose="020B0604020202020204" pitchFamily="34" charset="0"/>
+                <a:ea typeface="SimSun" panose="02010600030101010101" pitchFamily="2" charset="-122"/>
+              </a:defRPr>
+            </a:lvl7pPr>
+            <a:lvl8pPr marL="1371600" algn="l" rtl="0" fontAlgn="base">
+              <a:spcBef>
+                <a:spcPct val="0"/>
+              </a:spcBef>
+              <a:spcAft>
+                <a:spcPct val="0"/>
+              </a:spcAft>
+              <a:defRPr sz="3600">
+                <a:solidFill>
+                  <a:schemeClr val="tx1"/>
+                </a:solidFill>
+                <a:latin typeface="Arial" panose="020B0604020202020204" pitchFamily="34" charset="0"/>
+                <a:ea typeface="SimSun" panose="02010600030101010101" pitchFamily="2" charset="-122"/>
+              </a:defRPr>
+            </a:lvl8pPr>
+            <a:lvl9pPr marL="1828800" algn="l" rtl="0" fontAlgn="base">
+              <a:spcBef>
+                <a:spcPct val="0"/>
+              </a:spcBef>
+              <a:spcAft>
+                <a:spcPct val="0"/>
+              </a:spcAft>
+              <a:defRPr sz="3600">
+                <a:solidFill>
+                  <a:schemeClr val="tx1"/>
+                </a:solidFill>
+                <a:latin typeface="Arial" panose="020B0604020202020204" pitchFamily="34" charset="0"/>
+                <a:ea typeface="SimSun" panose="02010600030101010101" pitchFamily="2" charset="-122"/>
+              </a:defRPr>
+            </a:lvl9pPr>
+          </a:lstStyle>
+          <a:p>
+            <a:pPr algn="ctr"/>
+            <a:r>
+              <a:rPr lang="fr-FR" altLang="en-US" sz="2800" b="1" i="1">
+                <a:solidFill>
+                  <a:schemeClr val="bg1"/>
+                </a:solidFill>
+              </a:rPr>
+              <a:t>Avant</a:t>
+            </a:r>
+            <a:endParaRPr lang="fr-FR" altLang="en-US" sz="2800" b="1" i="1">
+              <a:solidFill>
+                <a:schemeClr val="bg1"/>
+              </a:solidFill>
+            </a:endParaRPr>
+          </a:p>
+        </p:txBody>
+      </p:sp>
+      <p:sp>
+        <p:nvSpPr>
+          <p:cNvPr id="8" name="Title 1"/>
+          <p:cNvSpPr>
+            <a:spLocks noGrp="1"/>
+          </p:cNvSpPr>
+          <p:nvPr/>
+        </p:nvSpPr>
+        <p:spPr>
+          <a:xfrm>
+            <a:off x="7870825" y="1066165"/>
+            <a:ext cx="1884045" cy="510540"/>
+          </a:xfrm>
+          <a:prstGeom prst="rect">
+            <a:avLst/>
+          </a:prstGeom>
+          <a:gradFill>
+            <a:gsLst>
+              <a:gs pos="0">
+                <a:srgbClr val="007BD3"/>
+              </a:gs>
+              <a:gs pos="100000">
+                <a:srgbClr val="034373"/>
+              </a:gs>
+            </a:gsLst>
+            <a:lin ang="5400000" scaled="0"/>
+          </a:gradFill>
+        </p:spPr>
+        <p:style>
+          <a:lnRef idx="2">
+            <a:schemeClr val="accent3">
+              <a:shade val="50000"/>
+            </a:schemeClr>
+          </a:lnRef>
+          <a:fillRef idx="1">
+            <a:schemeClr val="accent3"/>
+          </a:fillRef>
+          <a:effectRef idx="0">
+            <a:schemeClr val="accent3"/>
+          </a:effectRef>
+          <a:fontRef idx="minor">
+            <a:schemeClr val="lt1"/>
+          </a:fontRef>
+        </p:style>
+        <p:txBody>
+          <a:bodyPr anchor="ctr"/>
+          <a:lstStyle>
+            <a:lvl1pPr algn="l" rtl="0" fontAlgn="base">
+              <a:spcBef>
+                <a:spcPct val="0"/>
+              </a:spcBef>
+              <a:spcAft>
+                <a:spcPct val="0"/>
+              </a:spcAft>
+              <a:defRPr sz="3600" kern="1200">
+                <a:solidFill>
+                  <a:schemeClr val="tx1"/>
+                </a:solidFill>
+                <a:latin typeface="+mj-lt"/>
+                <a:ea typeface="+mj-ea"/>
+                <a:cs typeface="+mj-cs"/>
+              </a:defRPr>
+            </a:lvl1pPr>
+            <a:lvl2pPr algn="l" rtl="0" fontAlgn="base">
+              <a:spcBef>
+                <a:spcPct val="0"/>
+              </a:spcBef>
+              <a:spcAft>
+                <a:spcPct val="0"/>
+              </a:spcAft>
+              <a:defRPr sz="3600">
+                <a:solidFill>
+                  <a:schemeClr val="tx1"/>
+                </a:solidFill>
+                <a:latin typeface="Arial" panose="020B0604020202020204" pitchFamily="34" charset="0"/>
+                <a:ea typeface="SimSun" panose="02010600030101010101" pitchFamily="2" charset="-122"/>
+              </a:defRPr>
+            </a:lvl2pPr>
+            <a:lvl3pPr algn="l" rtl="0" fontAlgn="base">
+              <a:spcBef>
+                <a:spcPct val="0"/>
+              </a:spcBef>
+              <a:spcAft>
+                <a:spcPct val="0"/>
+              </a:spcAft>
+              <a:defRPr sz="3600">
+                <a:solidFill>
+                  <a:schemeClr val="tx1"/>
+                </a:solidFill>
+                <a:latin typeface="Arial" panose="020B0604020202020204" pitchFamily="34" charset="0"/>
+                <a:ea typeface="SimSun" panose="02010600030101010101" pitchFamily="2" charset="-122"/>
+              </a:defRPr>
+            </a:lvl3pPr>
+            <a:lvl4pPr algn="l" rtl="0" fontAlgn="base">
+              <a:spcBef>
+                <a:spcPct val="0"/>
+              </a:spcBef>
+              <a:spcAft>
+                <a:spcPct val="0"/>
+              </a:spcAft>
+              <a:defRPr sz="3600">
+                <a:solidFill>
+                  <a:schemeClr val="tx1"/>
+                </a:solidFill>
+                <a:latin typeface="Arial" panose="020B0604020202020204" pitchFamily="34" charset="0"/>
+                <a:ea typeface="SimSun" panose="02010600030101010101" pitchFamily="2" charset="-122"/>
+              </a:defRPr>
+            </a:lvl4pPr>
+            <a:lvl5pPr algn="l" rtl="0" fontAlgn="base">
+              <a:spcBef>
+                <a:spcPct val="0"/>
+              </a:spcBef>
+              <a:spcAft>
+                <a:spcPct val="0"/>
+              </a:spcAft>
+              <a:defRPr sz="3600">
+                <a:solidFill>
+                  <a:schemeClr val="tx1"/>
+                </a:solidFill>
+                <a:latin typeface="Arial" panose="020B0604020202020204" pitchFamily="34" charset="0"/>
+                <a:ea typeface="SimSun" panose="02010600030101010101" pitchFamily="2" charset="-122"/>
+              </a:defRPr>
+            </a:lvl5pPr>
+            <a:lvl6pPr marL="457200" algn="l" rtl="0" fontAlgn="base">
+              <a:spcBef>
+                <a:spcPct val="0"/>
+              </a:spcBef>
+              <a:spcAft>
+                <a:spcPct val="0"/>
+              </a:spcAft>
+              <a:defRPr sz="3600">
+                <a:solidFill>
+                  <a:schemeClr val="tx1"/>
+                </a:solidFill>
+                <a:latin typeface="Arial" panose="020B0604020202020204" pitchFamily="34" charset="0"/>
+                <a:ea typeface="SimSun" panose="02010600030101010101" pitchFamily="2" charset="-122"/>
+              </a:defRPr>
+            </a:lvl6pPr>
+            <a:lvl7pPr marL="914400" algn="l" rtl="0" fontAlgn="base">
+              <a:spcBef>
+                <a:spcPct val="0"/>
+              </a:spcBef>
+              <a:spcAft>
+                <a:spcPct val="0"/>
+              </a:spcAft>
+              <a:defRPr sz="3600">
+                <a:solidFill>
+                  <a:schemeClr val="tx1"/>
+                </a:solidFill>
+                <a:latin typeface="Arial" panose="020B0604020202020204" pitchFamily="34" charset="0"/>
+                <a:ea typeface="SimSun" panose="02010600030101010101" pitchFamily="2" charset="-122"/>
+              </a:defRPr>
+            </a:lvl7pPr>
+            <a:lvl8pPr marL="1371600" algn="l" rtl="0" fontAlgn="base">
+              <a:spcBef>
+                <a:spcPct val="0"/>
+              </a:spcBef>
+              <a:spcAft>
+                <a:spcPct val="0"/>
+              </a:spcAft>
+              <a:defRPr sz="3600">
+                <a:solidFill>
+                  <a:schemeClr val="tx1"/>
+                </a:solidFill>
+                <a:latin typeface="Arial" panose="020B0604020202020204" pitchFamily="34" charset="0"/>
+                <a:ea typeface="SimSun" panose="02010600030101010101" pitchFamily="2" charset="-122"/>
+              </a:defRPr>
+            </a:lvl8pPr>
+            <a:lvl9pPr marL="1828800" algn="l" rtl="0" fontAlgn="base">
+              <a:spcBef>
+                <a:spcPct val="0"/>
+              </a:spcBef>
+              <a:spcAft>
+                <a:spcPct val="0"/>
+              </a:spcAft>
+              <a:defRPr sz="3600">
+                <a:solidFill>
+                  <a:schemeClr val="tx1"/>
+                </a:solidFill>
+                <a:latin typeface="Arial" panose="020B0604020202020204" pitchFamily="34" charset="0"/>
+                <a:ea typeface="SimSun" panose="02010600030101010101" pitchFamily="2" charset="-122"/>
+              </a:defRPr>
+            </a:lvl9pPr>
+          </a:lstStyle>
+          <a:p>
+            <a:pPr algn="ctr"/>
+            <a:r>
+              <a:rPr lang="fr-FR" altLang="en-US" sz="2800" b="1" i="1">
+                <a:solidFill>
+                  <a:schemeClr val="bg1"/>
+                </a:solidFill>
+              </a:rPr>
+              <a:t>Après</a:t>
+            </a:r>
+            <a:endParaRPr lang="fr-FR" altLang="en-US" sz="2800" b="1" i="1">
+              <a:solidFill>
+                <a:schemeClr val="bg1"/>
+              </a:solidFill>
+            </a:endParaRPr>
+          </a:p>
+        </p:txBody>
+      </p:sp>
+      <p:sp>
+        <p:nvSpPr>
+          <p:cNvPr id="3" name="Content Placeholder 2"/>
+          <p:cNvSpPr/>
+          <p:nvPr>
+            <p:ph sz="half" idx="1"/>
+          </p:nvPr>
+        </p:nvSpPr>
+        <p:spPr/>
+        <p:txBody>
+          <a:bodyPr/>
+          <a:p>
+            <a:endParaRPr lang="en-US"/>
+          </a:p>
+        </p:txBody>
+      </p:sp>
+      <p:sp>
+        <p:nvSpPr>
+          <p:cNvPr id="10" name="Content Placeholder 9"/>
+          <p:cNvSpPr/>
+          <p:nvPr>
+            <p:ph sz="half" idx="2"/>
+          </p:nvPr>
+        </p:nvSpPr>
+        <p:spPr/>
+        <p:txBody>
+          <a:bodyPr/>
+          <a:p>
+            <a:endParaRPr lang="en-US"/>
+          </a:p>
+        </p:txBody>
+      </p:sp>
+    </p:spTree>
+  </p:cSld>
+  <p:clrMapOvr>
+    <a:masterClrMapping/>
+  </p:clrMapOvr>
+</p:sld>
+</file>
+
+<file path=ppt/slides/slide7.xml><?xml version="1.0" encoding="utf-8"?>
+<p:sld xmlns:a="http://schemas.openxmlformats.org/drawingml/2006/main" xmlns:r="http://schemas.openxmlformats.org/officeDocument/2006/relationships" xmlns:p="http://schemas.openxmlformats.org/presentationml/2006/main">
+  <p:cSld>
+    <p:spTree>
+      <p:nvGrpSpPr>
+        <p:cNvPr id="1" name=""/>
+        <p:cNvGrpSpPr/>
+        <p:nvPr/>
+      </p:nvGrpSpPr>
+      <p:grpSpPr/>
+      <p:sp>
+        <p:nvSpPr>
+          <p:cNvPr id="2" name="Title 1"/>
+          <p:cNvSpPr>
+            <a:spLocks noGrp="1"/>
+          </p:cNvSpPr>
+          <p:nvPr>
+            <p:ph type="title"/>
+          </p:nvPr>
+        </p:nvSpPr>
+        <p:spPr/>
+        <p:txBody>
+          <a:bodyPr/>
+          <a:p>
+            <a:pPr algn="ctr"/>
+            <a:r>
+              <a:rPr lang="fr-FR" altLang="en-US" sz="3200" b="1">
+                <a:solidFill>
+                  <a:schemeClr val="accent1">
+                    <a:lumMod val="60000"/>
+                    <a:lumOff val="40000"/>
+                  </a:schemeClr>
+                </a:solidFill>
+              </a:rPr>
               <a:t>Test de perfomance</a:t>
             </a:r>
             <a:endParaRPr lang="fr-FR" altLang="en-US" sz="3200" b="1">
@@ -5825,7 +6532,7 @@
 </p:sld>
 </file>
 
-<file path=ppt/slides/slide7.xml><?xml version="1.0" encoding="utf-8"?>
+<file path=ppt/slides/slide8.xml><?xml version="1.0" encoding="utf-8"?>
 <p:sld xmlns:a="http://schemas.openxmlformats.org/drawingml/2006/main" xmlns:r="http://schemas.openxmlformats.org/officeDocument/2006/relationships" xmlns:p="http://schemas.openxmlformats.org/presentationml/2006/main">
   <p:cSld>
     <p:spTree>
